--- a/hotel-report_first version.pptx
+++ b/hotel-report_first version.pptx
@@ -3684,47 +3684,6 @@
           </a:p>
         </p:txBody>
       </p:sp>
-      <p:pic>
-        <p:nvPicPr>
-          <p:cNvPr id="13" name="Picture 2" descr="D:\2020_리서치팩토리\2020\회사_리서치팩토리\로고\sym.png"/>
-          <p:cNvPicPr>
-            <a:picLocks noChangeAspect="1" noChangeArrowheads="1"/>
-          </p:cNvPicPr>
-          <p:nvPr/>
-        </p:nvPicPr>
-        <p:blipFill>
-          <a:blip r:embed="rId4">
-            <a:extLst>
-              <a:ext uri="{28A0092B-C50C-407E-A947-70E740481C1C}">
-                <a14:useLocalDpi xmlns:a14="http://schemas.microsoft.com/office/drawing/2010/main" val="0"/>
-              </a:ext>
-            </a:extLst>
-          </a:blip>
-          <a:srcRect/>
-          <a:stretch>
-            <a:fillRect/>
-          </a:stretch>
-        </p:blipFill>
-        <p:spPr bwMode="auto">
-          <a:xfrm>
-            <a:off x="26796042" y="1604674"/>
-            <a:ext cx="1944216" cy="2083087"/>
-          </a:xfrm>
-          <a:prstGeom prst="rect">
-            <a:avLst/>
-          </a:prstGeom>
-          <a:noFill/>
-          <a:extLst>
-            <a:ext uri="{909E8E84-426E-40DD-AFC4-6F175D3DCCD1}">
-              <a14:hiddenFill xmlns:a14="http://schemas.microsoft.com/office/drawing/2010/main">
-                <a:solidFill>
-                  <a:srgbClr val="FFFFFF"/>
-                </a:solidFill>
-              </a14:hiddenFill>
-            </a:ext>
-          </a:extLst>
-        </p:spPr>
-      </p:pic>
       <p:sp>
         <p:nvSpPr>
           <p:cNvPr id="14" name="직사각형 13"/>
@@ -4353,7 +4312,7 @@
           <p:nvPr/>
         </p:nvPicPr>
         <p:blipFill>
-          <a:blip r:embed="rId5">
+          <a:blip r:embed="rId4">
             <a:extLst>
               <a:ext uri="{28A0092B-C50C-407E-A947-70E740481C1C}">
                 <a14:useLocalDpi xmlns:a14="http://schemas.microsoft.com/office/drawing/2010/main" val="0"/>
@@ -4387,436 +4346,6 @@
       </p:pic>
       <p:sp>
         <p:nvSpPr>
-          <p:cNvPr id="17" name="Rectangle 1"/>
-          <p:cNvSpPr>
-            <a:spLocks noChangeArrowheads="1"/>
-          </p:cNvSpPr>
-          <p:nvPr/>
-        </p:nvSpPr>
-        <p:spPr bwMode="auto">
-          <a:xfrm>
-            <a:off x="0" y="0"/>
-            <a:ext cx="30279975" cy="0"/>
-          </a:xfrm>
-          <a:prstGeom prst="rect">
-            <a:avLst/>
-          </a:prstGeom>
-          <a:noFill/>
-          <a:ln>
-            <a:noFill/>
-          </a:ln>
-          <a:effectLst/>
-          <a:extLst>
-            <a:ext uri="{909E8E84-426E-40DD-AFC4-6F175D3DCCD1}">
-              <a14:hiddenFill xmlns:a14="http://schemas.microsoft.com/office/drawing/2010/main">
-                <a:solidFill>
-                  <a:schemeClr val="accent1"/>
-                </a:solidFill>
-              </a14:hiddenFill>
-            </a:ext>
-            <a:ext uri="{91240B29-F687-4F45-9708-019B960494DF}">
-              <a14:hiddenLine xmlns:a14="http://schemas.microsoft.com/office/drawing/2010/main" w="9525">
-                <a:solidFill>
-                  <a:schemeClr val="tx1"/>
-                </a:solidFill>
-                <a:miter lim="800000"/>
-                <a:headEnd/>
-                <a:tailEnd/>
-              </a14:hiddenLine>
-            </a:ext>
-            <a:ext uri="{AF507438-7753-43E0-B8FC-AC1667EBCBE1}">
-              <a14:hiddenEffects xmlns:a14="http://schemas.microsoft.com/office/drawing/2010/main">
-                <a:effectLst>
-                  <a:outerShdw dist="35921" dir="2700000" algn="ctr" rotWithShape="0">
-                    <a:schemeClr val="bg2"/>
-                  </a:outerShdw>
-                </a:effectLst>
-              </a14:hiddenEffects>
-            </a:ext>
-          </a:extLst>
-        </p:spPr>
-        <p:txBody>
-          <a:bodyPr vert="horz" wrap="none" lIns="91440" tIns="45720" rIns="91440" bIns="45720" numCol="1" anchor="ctr" anchorCtr="0" compatLnSpc="1">
-            <a:prstTxWarp prst="textNoShape">
-              <a:avLst/>
-            </a:prstTxWarp>
-            <a:spAutoFit/>
-          </a:bodyPr>
-          <a:lstStyle/>
-          <a:p>
-            <a:pPr marL="0" marR="0" lvl="0" indent="0" algn="l" defTabSz="914400" rtl="0" eaLnBrk="0" fontAlgn="base" latinLnBrk="0" hangingPunct="0">
-              <a:lnSpc>
-                <a:spcPct val="100000"/>
-              </a:lnSpc>
-              <a:spcBef>
-                <a:spcPct val="0"/>
-              </a:spcBef>
-              <a:spcAft>
-                <a:spcPct val="0"/>
-              </a:spcAft>
-              <a:buClrTx/>
-              <a:buSzTx/>
-              <a:buFontTx/>
-              <a:buChar char="•"/>
-              <a:tabLst/>
-            </a:pPr>
-            <a:r>
-              <a:rPr kumimoji="0" lang="ko-KR" altLang="ko-KR" sz="1800" b="0" i="0" u="none" strike="noStrike" cap="none" normalizeH="0" baseline="0" smtClean="0">
-                <a:ln>
-                  <a:noFill/>
-                </a:ln>
-                <a:solidFill>
-                  <a:schemeClr val="tx1"/>
-                </a:solidFill>
-                <a:effectLst/>
-                <a:latin typeface="Arial" panose="020B0604020202020204" pitchFamily="34" charset="0"/>
-              </a:rPr>
-              <a:t>학습 정확도 최대 99.19%, 검증 정확도 최대 97.25%</a:t>
-            </a:r>
-          </a:p>
-          <a:p>
-            <a:pPr marL="0" marR="0" lvl="0" indent="0" algn="l" defTabSz="914400" rtl="0" eaLnBrk="0" fontAlgn="base" latinLnBrk="0" hangingPunct="0">
-              <a:lnSpc>
-                <a:spcPct val="100000"/>
-              </a:lnSpc>
-              <a:spcBef>
-                <a:spcPct val="0"/>
-              </a:spcBef>
-              <a:spcAft>
-                <a:spcPct val="0"/>
-              </a:spcAft>
-              <a:buClrTx/>
-              <a:buSzTx/>
-              <a:buFontTx/>
-              <a:buChar char="•"/>
-              <a:tabLst/>
-            </a:pPr>
-            <a:r>
-              <a:rPr kumimoji="0" lang="ko-KR" altLang="ko-KR" sz="1800" b="0" i="0" u="none" strike="noStrike" cap="none" normalizeH="0" baseline="0" smtClean="0">
-                <a:ln>
-                  <a:noFill/>
-                </a:ln>
-                <a:solidFill>
-                  <a:schemeClr val="tx1"/>
-                </a:solidFill>
-                <a:effectLst/>
-                <a:latin typeface="Arial" panose="020B0604020202020204" pitchFamily="34" charset="0"/>
-              </a:rPr>
-              <a:t>전체 데이터 예측 정확도 96.75%</a:t>
-            </a:r>
-          </a:p>
-          <a:p>
-            <a:pPr marL="0" marR="0" lvl="0" indent="0" algn="l" defTabSz="914400" rtl="0" eaLnBrk="0" fontAlgn="base" latinLnBrk="0" hangingPunct="0">
-              <a:lnSpc>
-                <a:spcPct val="100000"/>
-              </a:lnSpc>
-              <a:spcBef>
-                <a:spcPct val="0"/>
-              </a:spcBef>
-              <a:spcAft>
-                <a:spcPct val="0"/>
-              </a:spcAft>
-              <a:buClrTx/>
-              <a:buSzTx/>
-              <a:buFontTx/>
-              <a:buChar char="•"/>
-              <a:tabLst/>
-            </a:pPr>
-            <a:r>
-              <a:rPr kumimoji="0" lang="ko-KR" altLang="ko-KR" sz="1800" b="0" i="0" u="none" strike="noStrike" cap="none" normalizeH="0" baseline="0" smtClean="0">
-                <a:ln>
-                  <a:noFill/>
-                </a:ln>
-                <a:solidFill>
-                  <a:schemeClr val="tx1"/>
-                </a:solidFill>
-                <a:effectLst/>
-                <a:latin typeface="Arial" panose="020B0604020202020204" pitchFamily="34" charset="0"/>
-              </a:rPr>
-              <a:t>예측 기반 평균 평점: 4.40 (실제: 4.24)</a:t>
-            </a:r>
-          </a:p>
-          <a:p>
-            <a:pPr marL="0" marR="0" lvl="0" indent="0" algn="l" defTabSz="914400" rtl="0" eaLnBrk="0" fontAlgn="base" latinLnBrk="0" hangingPunct="0">
-              <a:lnSpc>
-                <a:spcPct val="100000"/>
-              </a:lnSpc>
-              <a:spcBef>
-                <a:spcPct val="0"/>
-              </a:spcBef>
-              <a:spcAft>
-                <a:spcPct val="0"/>
-              </a:spcAft>
-              <a:buClrTx/>
-              <a:buSzTx/>
-              <a:buFontTx/>
-              <a:buChar char="•"/>
-              <a:tabLst/>
-            </a:pPr>
-            <a:r>
-              <a:rPr kumimoji="0" lang="ko-KR" altLang="ko-KR" sz="1800" b="0" i="0" u="none" strike="noStrike" cap="none" normalizeH="0" baseline="0" smtClean="0">
-                <a:ln>
-                  <a:noFill/>
-                </a:ln>
-                <a:solidFill>
-                  <a:schemeClr val="tx1"/>
-                </a:solidFill>
-                <a:effectLst/>
-                <a:latin typeface="Arial" panose="020B0604020202020204" pitchFamily="34" charset="0"/>
-              </a:rPr>
-              <a:t>상관계수 &gt; 0.75 → 모델 신뢰도 매우 높음</a:t>
-            </a:r>
-          </a:p>
-          <a:p>
-            <a:pPr marL="0" marR="0" lvl="0" indent="0" algn="l" defTabSz="914400" rtl="0" eaLnBrk="0" fontAlgn="base" latinLnBrk="0" hangingPunct="0">
-              <a:lnSpc>
-                <a:spcPct val="100000"/>
-              </a:lnSpc>
-              <a:spcBef>
-                <a:spcPct val="0"/>
-              </a:spcBef>
-              <a:spcAft>
-                <a:spcPct val="0"/>
-              </a:spcAft>
-              <a:buClrTx/>
-              <a:buSzTx/>
-              <a:buFontTx/>
-              <a:buChar char="•"/>
-              <a:tabLst/>
-            </a:pPr>
-            <a:r>
-              <a:rPr kumimoji="0" lang="ko-KR" altLang="ko-KR" sz="1800" b="0" i="0" u="none" strike="noStrike" cap="none" normalizeH="0" baseline="0" smtClean="0">
-                <a:ln>
-                  <a:noFill/>
-                </a:ln>
-                <a:solidFill>
-                  <a:schemeClr val="tx1"/>
-                </a:solidFill>
-                <a:effectLst/>
-                <a:latin typeface="Arial" panose="020B0604020202020204" pitchFamily="34" charset="0"/>
-              </a:rPr>
-              <a:t>혼동 행렬 분석: 부정 클래스 정밀도 0.95, 긍정 클래스 정밀도 0.97</a:t>
-            </a:r>
-          </a:p>
-        </p:txBody>
-      </p:sp>
-      <p:sp>
-        <p:nvSpPr>
-          <p:cNvPr id="22" name="Rectangle 2"/>
-          <p:cNvSpPr>
-            <a:spLocks noChangeArrowheads="1"/>
-          </p:cNvSpPr>
-          <p:nvPr/>
-        </p:nvSpPr>
-        <p:spPr bwMode="auto">
-          <a:xfrm>
-            <a:off x="152400" y="152400"/>
-            <a:ext cx="30279975" cy="0"/>
-          </a:xfrm>
-          <a:prstGeom prst="rect">
-            <a:avLst/>
-          </a:prstGeom>
-          <a:noFill/>
-          <a:ln>
-            <a:noFill/>
-          </a:ln>
-          <a:effectLst/>
-          <a:extLst>
-            <a:ext uri="{909E8E84-426E-40DD-AFC4-6F175D3DCCD1}">
-              <a14:hiddenFill xmlns:a14="http://schemas.microsoft.com/office/drawing/2010/main">
-                <a:solidFill>
-                  <a:schemeClr val="accent1"/>
-                </a:solidFill>
-              </a14:hiddenFill>
-            </a:ext>
-            <a:ext uri="{91240B29-F687-4F45-9708-019B960494DF}">
-              <a14:hiddenLine xmlns:a14="http://schemas.microsoft.com/office/drawing/2010/main" w="9525">
-                <a:solidFill>
-                  <a:schemeClr val="tx1"/>
-                </a:solidFill>
-                <a:miter lim="800000"/>
-                <a:headEnd/>
-                <a:tailEnd/>
-              </a14:hiddenLine>
-            </a:ext>
-            <a:ext uri="{AF507438-7753-43E0-B8FC-AC1667EBCBE1}">
-              <a14:hiddenEffects xmlns:a14="http://schemas.microsoft.com/office/drawing/2010/main">
-                <a:effectLst>
-                  <a:outerShdw dist="35921" dir="2700000" algn="ctr" rotWithShape="0">
-                    <a:schemeClr val="bg2"/>
-                  </a:outerShdw>
-                </a:effectLst>
-              </a14:hiddenEffects>
-            </a:ext>
-          </a:extLst>
-        </p:spPr>
-        <p:txBody>
-          <a:bodyPr vert="horz" wrap="none" lIns="91440" tIns="45720" rIns="91440" bIns="45720" numCol="1" anchor="ctr" anchorCtr="0" compatLnSpc="1">
-            <a:prstTxWarp prst="textNoShape">
-              <a:avLst/>
-            </a:prstTxWarp>
-            <a:spAutoFit/>
-          </a:bodyPr>
-          <a:lstStyle/>
-          <a:p>
-            <a:pPr marL="0" marR="0" lvl="0" indent="0" algn="l" defTabSz="914400" rtl="0" eaLnBrk="0" fontAlgn="base" latinLnBrk="0" hangingPunct="0">
-              <a:lnSpc>
-                <a:spcPct val="100000"/>
-              </a:lnSpc>
-              <a:spcBef>
-                <a:spcPct val="0"/>
-              </a:spcBef>
-              <a:spcAft>
-                <a:spcPct val="0"/>
-              </a:spcAft>
-              <a:buClrTx/>
-              <a:buSzTx/>
-              <a:buFontTx/>
-              <a:buChar char="•"/>
-              <a:tabLst/>
-            </a:pPr>
-            <a:r>
-              <a:rPr kumimoji="0" lang="ko-KR" altLang="ko-KR" sz="1800" b="0" i="0" u="none" strike="noStrike" cap="none" normalizeH="0" baseline="0" smtClean="0">
-                <a:ln>
-                  <a:noFill/>
-                </a:ln>
-                <a:solidFill>
-                  <a:schemeClr val="tx1"/>
-                </a:solidFill>
-                <a:effectLst/>
-                <a:latin typeface="Arial" panose="020B0604020202020204" pitchFamily="34" charset="0"/>
-              </a:rPr>
-              <a:t>학습 정확도 최대 99.19%, 검증 정확도 최대 97.25%</a:t>
-            </a:r>
-          </a:p>
-          <a:p>
-            <a:pPr marL="0" marR="0" lvl="0" indent="0" algn="l" defTabSz="914400" rtl="0" eaLnBrk="0" fontAlgn="base" latinLnBrk="0" hangingPunct="0">
-              <a:lnSpc>
-                <a:spcPct val="100000"/>
-              </a:lnSpc>
-              <a:spcBef>
-                <a:spcPct val="0"/>
-              </a:spcBef>
-              <a:spcAft>
-                <a:spcPct val="0"/>
-              </a:spcAft>
-              <a:buClrTx/>
-              <a:buSzTx/>
-              <a:buFontTx/>
-              <a:buChar char="•"/>
-              <a:tabLst/>
-            </a:pPr>
-            <a:r>
-              <a:rPr kumimoji="0" lang="ko-KR" altLang="ko-KR" sz="1800" b="0" i="0" u="none" strike="noStrike" cap="none" normalizeH="0" baseline="0" smtClean="0">
-                <a:ln>
-                  <a:noFill/>
-                </a:ln>
-                <a:solidFill>
-                  <a:schemeClr val="tx1"/>
-                </a:solidFill>
-                <a:effectLst/>
-                <a:latin typeface="Arial" panose="020B0604020202020204" pitchFamily="34" charset="0"/>
-              </a:rPr>
-              <a:t>전체 데이터 예측 정확도 96.75%</a:t>
-            </a:r>
-          </a:p>
-          <a:p>
-            <a:pPr marL="0" marR="0" lvl="0" indent="0" algn="l" defTabSz="914400" rtl="0" eaLnBrk="0" fontAlgn="base" latinLnBrk="0" hangingPunct="0">
-              <a:lnSpc>
-                <a:spcPct val="100000"/>
-              </a:lnSpc>
-              <a:spcBef>
-                <a:spcPct val="0"/>
-              </a:spcBef>
-              <a:spcAft>
-                <a:spcPct val="0"/>
-              </a:spcAft>
-              <a:buClrTx/>
-              <a:buSzTx/>
-              <a:buFontTx/>
-              <a:buChar char="•"/>
-              <a:tabLst/>
-            </a:pPr>
-            <a:r>
-              <a:rPr kumimoji="0" lang="ko-KR" altLang="ko-KR" sz="1800" b="0" i="0" u="none" strike="noStrike" cap="none" normalizeH="0" baseline="0" smtClean="0">
-                <a:ln>
-                  <a:noFill/>
-                </a:ln>
-                <a:solidFill>
-                  <a:schemeClr val="tx1"/>
-                </a:solidFill>
-                <a:effectLst/>
-                <a:latin typeface="Arial" panose="020B0604020202020204" pitchFamily="34" charset="0"/>
-              </a:rPr>
-              <a:t>예측 기반 평균 평점: 4.40 (실제: 4.24)</a:t>
-            </a:r>
-          </a:p>
-          <a:p>
-            <a:pPr marL="0" marR="0" lvl="0" indent="0" algn="l" defTabSz="914400" rtl="0" eaLnBrk="0" fontAlgn="base" latinLnBrk="0" hangingPunct="0">
-              <a:lnSpc>
-                <a:spcPct val="100000"/>
-              </a:lnSpc>
-              <a:spcBef>
-                <a:spcPct val="0"/>
-              </a:spcBef>
-              <a:spcAft>
-                <a:spcPct val="0"/>
-              </a:spcAft>
-              <a:buClrTx/>
-              <a:buSzTx/>
-              <a:buFontTx/>
-              <a:buChar char="•"/>
-              <a:tabLst/>
-            </a:pPr>
-            <a:r>
-              <a:rPr kumimoji="0" lang="ko-KR" altLang="ko-KR" sz="1800" b="0" i="0" u="none" strike="noStrike" cap="none" normalizeH="0" baseline="0" smtClean="0">
-                <a:ln>
-                  <a:noFill/>
-                </a:ln>
-                <a:solidFill>
-                  <a:schemeClr val="tx1"/>
-                </a:solidFill>
-                <a:effectLst/>
-                <a:latin typeface="Arial" panose="020B0604020202020204" pitchFamily="34" charset="0"/>
-              </a:rPr>
-              <a:t>상관계수 &gt; 0.75 → 모델 신뢰도 매우 높음</a:t>
-            </a:r>
-          </a:p>
-          <a:p>
-            <a:pPr marL="0" marR="0" lvl="0" indent="0" algn="l" defTabSz="914400" rtl="0" eaLnBrk="0" fontAlgn="base" latinLnBrk="0" hangingPunct="0">
-              <a:lnSpc>
-                <a:spcPct val="100000"/>
-              </a:lnSpc>
-              <a:spcBef>
-                <a:spcPct val="0"/>
-              </a:spcBef>
-              <a:spcAft>
-                <a:spcPct val="0"/>
-              </a:spcAft>
-              <a:buClrTx/>
-              <a:buSzTx/>
-              <a:buFontTx/>
-              <a:buChar char="•"/>
-              <a:tabLst/>
-            </a:pPr>
-            <a:r>
-              <a:rPr kumimoji="0" lang="ko-KR" altLang="ko-KR" sz="1800" b="0" i="0" u="none" strike="noStrike" cap="none" normalizeH="0" baseline="0" smtClean="0">
-                <a:ln>
-                  <a:noFill/>
-                </a:ln>
-                <a:solidFill>
-                  <a:schemeClr val="tx1"/>
-                </a:solidFill>
-                <a:effectLst/>
-                <a:latin typeface="Arial" panose="020B0604020202020204" pitchFamily="34" charset="0"/>
-              </a:rPr>
-              <a:t>혼동 행렬 분석: 부정 클래스 정밀도 0.95, 긍정 클래스 정밀도 0.97</a:t>
-            </a:r>
-          </a:p>
-        </p:txBody>
-      </p:sp>
-      <p:sp>
-        <p:nvSpPr>
           <p:cNvPr id="32" name="TextBox 31"/>
           <p:cNvSpPr txBox="1"/>
           <p:nvPr/>
@@ -4938,7 +4467,7 @@
           <p:nvPr/>
         </p:nvPicPr>
         <p:blipFill>
-          <a:blip r:embed="rId6">
+          <a:blip r:embed="rId5">
             <a:extLst>
               <a:ext uri="{28A0092B-C50C-407E-A947-70E740481C1C}">
                 <a14:useLocalDpi xmlns:a14="http://schemas.microsoft.com/office/drawing/2010/main" val="0"/>
@@ -4968,7 +4497,7 @@
           <p:nvPr/>
         </p:nvPicPr>
         <p:blipFill>
-          <a:blip r:embed="rId7">
+          <a:blip r:embed="rId6">
             <a:extLst>
               <a:ext uri="{28A0092B-C50C-407E-A947-70E740481C1C}">
                 <a14:useLocalDpi xmlns:a14="http://schemas.microsoft.com/office/drawing/2010/main" val="0"/>
@@ -4981,7 +4510,7 @@
         </p:blipFill>
         <p:spPr>
           <a:xfrm>
-            <a:off x="16672293" y="11770719"/>
+            <a:off x="16253706" y="12264097"/>
             <a:ext cx="10734001" cy="5695827"/>
           </a:xfrm>
           <a:prstGeom prst="rect">
@@ -4998,7 +4527,7 @@
           <p:nvPr/>
         </p:nvPicPr>
         <p:blipFill>
-          <a:blip r:embed="rId8">
+          <a:blip r:embed="rId7">
             <a:extLst>
               <a:ext uri="{28A0092B-C50C-407E-A947-70E740481C1C}">
                 <a14:useLocalDpi xmlns:a14="http://schemas.microsoft.com/office/drawing/2010/main" val="0"/>
@@ -5028,7 +4557,7 @@
           <p:nvPr/>
         </p:nvPicPr>
         <p:blipFill>
-          <a:blip r:embed="rId9">
+          <a:blip r:embed="rId8">
             <a:extLst>
               <a:ext uri="{28A0092B-C50C-407E-A947-70E740481C1C}">
                 <a14:useLocalDpi xmlns:a14="http://schemas.microsoft.com/office/drawing/2010/main" val="0"/>
@@ -5041,8 +4570,8 @@
         </p:blipFill>
         <p:spPr>
           <a:xfrm>
-            <a:off x="20938262" y="29739455"/>
-            <a:ext cx="7912017" cy="5651422"/>
+            <a:off x="20756612" y="29739455"/>
+            <a:ext cx="8093668" cy="5651422"/>
           </a:xfrm>
           <a:prstGeom prst="rect">
             <a:avLst/>
@@ -5058,7 +4587,7 @@
           <p:nvPr/>
         </p:nvPicPr>
         <p:blipFill>
-          <a:blip r:embed="rId10">
+          <a:blip r:embed="rId9">
             <a:extLst>
               <a:ext uri="{28A0092B-C50C-407E-A947-70E740481C1C}">
                 <a14:useLocalDpi xmlns:a14="http://schemas.microsoft.com/office/drawing/2010/main" val="0"/>
@@ -5088,7 +4617,7 @@
           <p:nvPr/>
         </p:nvPicPr>
         <p:blipFill>
-          <a:blip r:embed="rId11">
+          <a:blip r:embed="rId10">
             <a:extLst>
               <a:ext uri="{28A0092B-C50C-407E-A947-70E740481C1C}">
                 <a14:useLocalDpi xmlns:a14="http://schemas.microsoft.com/office/drawing/2010/main" val="0"/>
@@ -5369,8 +4898,8 @@
         </p:nvSpPr>
         <p:spPr>
           <a:xfrm>
-            <a:off x="21821513" y="28156660"/>
-            <a:ext cx="6484014" cy="707886"/>
+            <a:off x="20915743" y="28156660"/>
+            <a:ext cx="7548916" cy="707886"/>
           </a:xfrm>
           <a:prstGeom prst="rect">
             <a:avLst/>
@@ -5384,8 +4913,16 @@
           <a:lstStyle/>
           <a:p>
             <a:r>
+              <a:rPr lang="en-US" altLang="ko-KR" sz="4000" dirty="0" smtClean="0"/>
+              <a:t>3. </a:t>
+            </a:r>
+            <a:r>
               <a:rPr lang="ko-KR" altLang="en-US" sz="4000" dirty="0" smtClean="0"/>
-              <a:t>혼동 행렬</a:t>
+              <a:t>혼동 </a:t>
+            </a:r>
+            <a:r>
+              <a:rPr lang="ko-KR" altLang="en-US" sz="4000" dirty="0" smtClean="0"/>
+              <a:t>행렬</a:t>
             </a:r>
             <a:r>
               <a:rPr lang="en-US" altLang="ko-KR" sz="4000" dirty="0" smtClean="0"/>
@@ -5395,6 +4932,30 @@
           </a:p>
         </p:txBody>
       </p:sp>
+      <p:pic>
+        <p:nvPicPr>
+          <p:cNvPr id="3" name="그림 2"/>
+          <p:cNvPicPr>
+            <a:picLocks noChangeAspect="1"/>
+          </p:cNvPicPr>
+          <p:nvPr/>
+        </p:nvPicPr>
+        <p:blipFill>
+          <a:blip r:embed="rId11"/>
+          <a:stretch>
+            <a:fillRect/>
+          </a:stretch>
+        </p:blipFill>
+        <p:spPr>
+          <a:xfrm>
+            <a:off x="21620707" y="1299415"/>
+            <a:ext cx="6192700" cy="3364953"/>
+          </a:xfrm>
+          <a:prstGeom prst="rect">
+            <a:avLst/>
+          </a:prstGeom>
+        </p:spPr>
+      </p:pic>
     </p:spTree>
     <p:extLst>
       <p:ext uri="{BB962C8B-B14F-4D97-AF65-F5344CB8AC3E}">
